--- a/slides/DSLab_week3.pptx
+++ b/slides/DSLab_week3.pptx
@@ -227,7 +227,7 @@
           <a:p>
             <a:fld id="{FB993DAB-158A-5A4F-9571-82C3F1CD5879}" type="datetimeFigureOut">
               <a:rPr lang="fr-FR" smtClean="0"/>
-              <a:t>06/03/2018</a:t>
+              <a:t>07/03/2018</a:t>
             </a:fld>
             <a:endParaRPr lang="fr-FR"/>
           </a:p>
@@ -2290,7 +2290,7 @@
           <a:p>
             <a:fld id="{337EE54A-1446-4D1B-993F-C27A467D21BD}" type="datetimeFigureOut">
               <a:rPr lang="fr-FR" smtClean="0"/>
-              <a:t>06/03/2018</a:t>
+              <a:t>07/03/2018</a:t>
             </a:fld>
             <a:endParaRPr lang="fr-FR"/>
           </a:p>
@@ -2615,7 +2615,7 @@
           <a:p>
             <a:fld id="{337EE54A-1446-4D1B-993F-C27A467D21BD}" type="datetimeFigureOut">
               <a:rPr lang="fr-FR" smtClean="0"/>
-              <a:t>06/03/2018</a:t>
+              <a:t>07/03/2018</a:t>
             </a:fld>
             <a:endParaRPr lang="fr-FR"/>
           </a:p>
@@ -3136,7 +3136,7 @@
           <a:p>
             <a:fld id="{337EE54A-1446-4D1B-993F-C27A467D21BD}" type="datetimeFigureOut">
               <a:rPr lang="fr-FR" smtClean="0"/>
-              <a:t>06/03/2018</a:t>
+              <a:t>07/03/2018</a:t>
             </a:fld>
             <a:endParaRPr lang="fr-FR"/>
           </a:p>
@@ -3507,7 +3507,7 @@
           <a:p>
             <a:fld id="{337EE54A-1446-4D1B-993F-C27A467D21BD}" type="datetimeFigureOut">
               <a:rPr lang="fr-FR" smtClean="0"/>
-              <a:t>06/03/2018</a:t>
+              <a:t>07/03/2018</a:t>
             </a:fld>
             <a:endParaRPr lang="fr-FR"/>
           </a:p>
@@ -4268,7 +4268,7 @@
                 </a:solidFill>
               </a:rPr>
               <a:pPr/>
-              <a:t>06/03/2018</a:t>
+              <a:t>07/03/2018</a:t>
             </a:fld>
             <a:endParaRPr lang="fr-FR">
               <a:solidFill>
@@ -4731,7 +4731,7 @@
                 </a:solidFill>
               </a:rPr>
               <a:pPr/>
-              <a:t>06/03/2018</a:t>
+              <a:t>07/03/2018</a:t>
             </a:fld>
             <a:endParaRPr lang="fr-FR">
               <a:solidFill>
@@ -5194,7 +5194,7 @@
                 </a:solidFill>
               </a:rPr>
               <a:pPr/>
-              <a:t>06/03/2018</a:t>
+              <a:t>07/03/2018</a:t>
             </a:fld>
             <a:endParaRPr lang="fr-FR">
               <a:solidFill>
@@ -5639,7 +5639,7 @@
           <a:p>
             <a:fld id="{337EE54A-1446-4D1B-993F-C27A467D21BD}" type="datetimeFigureOut">
               <a:rPr lang="fr-FR" smtClean="0"/>
-              <a:t>06/03/2018</a:t>
+              <a:t>07/03/2018</a:t>
             </a:fld>
             <a:endParaRPr lang="fr-FR"/>
           </a:p>
@@ -6059,7 +6059,7 @@
                 </a:solidFill>
               </a:rPr>
               <a:pPr/>
-              <a:t>06/03/2018</a:t>
+              <a:t>07/03/2018</a:t>
             </a:fld>
             <a:endParaRPr lang="fr-FR">
               <a:solidFill>
@@ -7293,7 +7293,7 @@
                 </a:solidFill>
               </a:rPr>
               <a:pPr/>
-              <a:t>06/03/2018</a:t>
+              <a:t>07/03/2018</a:t>
             </a:fld>
             <a:endParaRPr lang="fr-FR">
               <a:solidFill>
@@ -7627,7 +7627,7 @@
                 </a:solidFill>
               </a:rPr>
               <a:pPr/>
-              <a:t>06/03/2018</a:t>
+              <a:t>07/03/2018</a:t>
             </a:fld>
             <a:endParaRPr lang="fr-FR">
               <a:solidFill>
@@ -7992,7 +7992,7 @@
                 </a:solidFill>
               </a:rPr>
               <a:pPr/>
-              <a:t>06/03/2018</a:t>
+              <a:t>07/03/2018</a:t>
             </a:fld>
             <a:endParaRPr lang="fr-FR">
               <a:solidFill>
@@ -8294,7 +8294,7 @@
                 </a:solidFill>
               </a:rPr>
               <a:pPr/>
-              <a:t>06/03/2018</a:t>
+              <a:t>07/03/2018</a:t>
             </a:fld>
             <a:endParaRPr lang="fr-FR">
               <a:solidFill>
@@ -8803,7 +8803,7 @@
           <a:p>
             <a:fld id="{337EE54A-1446-4D1B-993F-C27A467D21BD}" type="datetimeFigureOut">
               <a:rPr lang="fr-FR" smtClean="0"/>
-              <a:t>06/03/2018</a:t>
+              <a:t>07/03/2018</a:t>
             </a:fld>
             <a:endParaRPr lang="fr-FR"/>
           </a:p>
@@ -9205,7 +9205,7 @@
           <a:p>
             <a:fld id="{337EE54A-1446-4D1B-993F-C27A467D21BD}" type="datetimeFigureOut">
               <a:rPr lang="fr-FR" smtClean="0"/>
-              <a:t>06/03/2018</a:t>
+              <a:t>07/03/2018</a:t>
             </a:fld>
             <a:endParaRPr lang="fr-FR"/>
           </a:p>
@@ -10309,7 +10309,7 @@
           <a:p>
             <a:fld id="{337EE54A-1446-4D1B-993F-C27A467D21BD}" type="datetimeFigureOut">
               <a:rPr lang="fr-FR" smtClean="0"/>
-              <a:t>06/03/2018</a:t>
+              <a:t>07/03/2018</a:t>
             </a:fld>
             <a:endParaRPr lang="fr-FR"/>
           </a:p>
@@ -10588,7 +10588,7 @@
           <a:p>
             <a:fld id="{337EE54A-1446-4D1B-993F-C27A467D21BD}" type="datetimeFigureOut">
               <a:rPr lang="fr-FR" smtClean="0"/>
-              <a:t>06/03/2018</a:t>
+              <a:t>07/03/2018</a:t>
             </a:fld>
             <a:endParaRPr lang="fr-FR"/>
           </a:p>
@@ -10898,7 +10898,7 @@
           <a:p>
             <a:fld id="{337EE54A-1446-4D1B-993F-C27A467D21BD}" type="datetimeFigureOut">
               <a:rPr lang="fr-FR" smtClean="0"/>
-              <a:t>06/03/2018</a:t>
+              <a:t>07/03/2018</a:t>
             </a:fld>
             <a:endParaRPr lang="fr-FR"/>
           </a:p>
@@ -11268,7 +11268,7 @@
           <a:p>
             <a:fld id="{337EE54A-1446-4D1B-993F-C27A467D21BD}" type="datetimeFigureOut">
               <a:rPr lang="fr-FR" smtClean="0"/>
-              <a:t>06/03/2018</a:t>
+              <a:t>07/03/2018</a:t>
             </a:fld>
             <a:endParaRPr lang="fr-FR"/>
           </a:p>
@@ -11827,7 +11827,7 @@
                 </a:solidFill>
               </a:rPr>
               <a:pPr defTabSz="342859"/>
-              <a:t>06/03/2018</a:t>
+              <a:t>07/03/2018</a:t>
             </a:fld>
             <a:endParaRPr lang="fr-FR">
               <a:solidFill>
@@ -12300,14 +12300,14 @@
           </a:ln>
           <a:extLst>
             <a:ext uri="{909E8E84-426E-40dd-AFC4-6F175D3DCCD1}">
-              <a14:hiddenFill xmlns="" xmlns:a14="http://schemas.microsoft.com/office/drawing/2010/main">
+              <a14:hiddenFill xmlns:a14="http://schemas.microsoft.com/office/drawing/2010/main" xmlns="">
                 <a:solidFill>
                   <a:srgbClr val="FFFFFF"/>
                 </a:solidFill>
               </a14:hiddenFill>
             </a:ext>
             <a:ext uri="{91240B29-F687-4f45-9708-019B960494DF}">
-              <a14:hiddenLine xmlns="" xmlns:a14="http://schemas.microsoft.com/office/drawing/2010/main" w="9525">
+              <a14:hiddenLine xmlns:a14="http://schemas.microsoft.com/office/drawing/2010/main" xmlns="" w="9525">
                 <a:solidFill>
                   <a:srgbClr val="000000"/>
                 </a:solidFill>
@@ -14548,7 +14548,7 @@
                             </p:stCondLst>
                             <p:childTnLst>
                               <p:par>
-                                <p:cTn id="5" presetID="1" presetClass="entr" presetSubtype="0" fill="hold" grpId="0" nodeType="clickEffect">
+                                <p:cTn id="5" presetID="1" presetClass="exit" presetSubtype="0" fill="hold" grpId="0" nodeType="clickEffect">
                                   <p:stCondLst>
                                     <p:cond delay="0"/>
                                   </p:stCondLst>
@@ -14568,7 +14568,7 @@
                                         </p:attrNameLst>
                                       </p:cBhvr>
                                       <p:to>
-                                        <p:strVal val="visible"/>
+                                        <p:strVal val="hidden"/>
                                       </p:to>
                                     </p:set>
                                   </p:childTnLst>
@@ -14593,7 +14593,7 @@
                             </p:stCondLst>
                             <p:childTnLst>
                               <p:par>
-                                <p:cTn id="9" presetID="1" presetClass="entr" presetSubtype="0" fill="hold" grpId="0" nodeType="clickEffect">
+                                <p:cTn id="9" presetID="1" presetClass="exit" presetSubtype="0" fill="hold" grpId="0" nodeType="clickEffect">
                                   <p:stCondLst>
                                     <p:cond delay="0"/>
                                   </p:stCondLst>
@@ -14613,7 +14613,7 @@
                                         </p:attrNameLst>
                                       </p:cBhvr>
                                       <p:to>
-                                        <p:strVal val="visible"/>
+                                        <p:strVal val="hidden"/>
                                       </p:to>
                                     </p:set>
                                   </p:childTnLst>
@@ -14638,7 +14638,7 @@
                             </p:stCondLst>
                             <p:childTnLst>
                               <p:par>
-                                <p:cTn id="13" presetID="1" presetClass="entr" presetSubtype="0" fill="hold" grpId="0" nodeType="clickEffect">
+                                <p:cTn id="13" presetID="1" presetClass="exit" presetSubtype="0" fill="hold" grpId="0" nodeType="clickEffect">
                                   <p:stCondLst>
                                     <p:cond delay="0"/>
                                   </p:stCondLst>
@@ -14658,7 +14658,7 @@
                                         </p:attrNameLst>
                                       </p:cBhvr>
                                       <p:to>
-                                        <p:strVal val="visible"/>
+                                        <p:strVal val="hidden"/>
                                       </p:to>
                                     </p:set>
                                   </p:childTnLst>
@@ -14683,7 +14683,7 @@
                             </p:stCondLst>
                             <p:childTnLst>
                               <p:par>
-                                <p:cTn id="17" presetID="1" presetClass="entr" presetSubtype="0" fill="hold" grpId="0" nodeType="clickEffect">
+                                <p:cTn id="17" presetID="1" presetClass="exit" presetSubtype="0" fill="hold" grpId="0" nodeType="clickEffect">
                                   <p:stCondLst>
                                     <p:cond delay="0"/>
                                   </p:stCondLst>
@@ -14703,7 +14703,7 @@
                                         </p:attrNameLst>
                                       </p:cBhvr>
                                       <p:to>
-                                        <p:strVal val="visible"/>
+                                        <p:strVal val="hidden"/>
                                       </p:to>
                                     </p:set>
                                   </p:childTnLst>
@@ -18269,19 +18269,27 @@
           <a:lstStyle/>
           <a:p>
             <a:r>
-              <a:rPr lang="en-US" sz="2400" dirty="0"/>
-              <a:t>https://</a:t>
-            </a:r>
-            <a:r>
-              <a:rPr lang="en-US" sz="2400" dirty="0" smtClean="0"/>
-              <a:t>dslab2018.github.io/</a:t>
-            </a:r>
-            <a:endParaRPr lang="en-US" sz="3200" dirty="0"/>
-          </a:p>
-          <a:p>
+              <a:rPr lang="en-US" sz="2400" dirty="0">
+                <a:hlinkClick r:id="rId3"/>
+              </a:rPr>
+              <a:t>https://github.com/dslab2018/dslab2018.github.io#week-3---07032018---module-1---</a:t>
+            </a:r>
+            <a:r>
+              <a:rPr lang="en-US" sz="2400" dirty="0" smtClean="0">
+                <a:hlinkClick r:id="rId3"/>
+              </a:rPr>
+              <a:t>python-for-data-scientists-34</a:t>
+            </a:r>
+            <a:endParaRPr lang="en-US" sz="2400" dirty="0" smtClean="0"/>
+          </a:p>
+          <a:p>
+            <a:r>
+              <a:rPr lang="en-US" sz="3200" dirty="0" smtClean="0"/>
+              <a:t>Any </a:t>
+            </a:r>
             <a:r>
               <a:rPr lang="en-US" sz="3200" dirty="0"/>
-              <a:t>Any questions?</a:t>
+              <a:t>questions?</a:t>
             </a:r>
           </a:p>
           <a:p>
